--- a/PAL5.0(Tibero)설치 Guide_20190110_HandyFlow.pptx
+++ b/PAL5.0(Tibero)설치 Guide_20190110_HandyFlow.pptx
@@ -217,7 +217,7 @@
             <a:fld id="{2FFA2D0E-C9E9-4F42-88CF-8661D84DDC3B}" type="datetimeFigureOut">
               <a:rPr lang="ko-KR" altLang="en-US" smtClean="0"/>
               <a:pPr/>
-              <a:t>2019-01-10</a:t>
+              <a:t>2019-01-14</a:t>
             </a:fld>
             <a:endParaRPr lang="ko-KR" altLang="en-US"/>
           </a:p>
@@ -293,7 +293,7 @@
     </p:spTree>
     <p:extLst>
       <p:ext uri="{BB962C8B-B14F-4D97-AF65-F5344CB8AC3E}">
-        <p14:creationId xmlns="" xmlns:p14="http://schemas.microsoft.com/office/powerpoint/2010/main" val="2091448417"/>
+        <p14:creationId xmlns:p14="http://schemas.microsoft.com/office/powerpoint/2010/main" xmlns="" val="2091448417"/>
       </p:ext>
     </p:extLst>
   </p:cSld>
@@ -384,7 +384,7 @@
             <a:fld id="{FE1F59EF-3084-4EFC-8581-C361818DC07F}" type="datetimeFigureOut">
               <a:rPr lang="ko-KR" altLang="en-US" smtClean="0"/>
               <a:pPr/>
-              <a:t>2019-01-10</a:t>
+              <a:t>2019-01-14</a:t>
             </a:fld>
             <a:endParaRPr lang="ko-KR" altLang="en-US"/>
           </a:p>
@@ -555,7 +555,7 @@
     </p:spTree>
     <p:extLst>
       <p:ext uri="{BB962C8B-B14F-4D97-AF65-F5344CB8AC3E}">
-        <p14:creationId xmlns="" xmlns:p14="http://schemas.microsoft.com/office/powerpoint/2010/main" val="1970629630"/>
+        <p14:creationId xmlns:p14="http://schemas.microsoft.com/office/powerpoint/2010/main" xmlns="" val="1970629630"/>
       </p:ext>
     </p:extLst>
   </p:cSld>
@@ -845,7 +845,7 @@
             <a:fld id="{30A2A893-9FEB-4013-94DB-DA21BA29FAE1}" type="datetimeFigureOut">
               <a:rPr lang="ko-KR" altLang="en-US" smtClean="0"/>
               <a:pPr/>
-              <a:t>2019-01-10</a:t>
+              <a:t>2019-01-14</a:t>
             </a:fld>
             <a:endParaRPr lang="ko-KR" altLang="en-US"/>
           </a:p>
@@ -1132,7 +1132,7 @@
             <a:fld id="{30A2A893-9FEB-4013-94DB-DA21BA29FAE1}" type="datetimeFigureOut">
               <a:rPr lang="ko-KR" altLang="en-US" smtClean="0"/>
               <a:pPr/>
-              <a:t>2019-01-10</a:t>
+              <a:t>2019-01-14</a:t>
             </a:fld>
             <a:endParaRPr lang="ko-KR" altLang="en-US"/>
           </a:p>
@@ -1333,7 +1333,7 @@
             <a:fld id="{30A2A893-9FEB-4013-94DB-DA21BA29FAE1}" type="datetimeFigureOut">
               <a:rPr lang="ko-KR" altLang="en-US" smtClean="0"/>
               <a:pPr/>
-              <a:t>2019-01-10</a:t>
+              <a:t>2019-01-14</a:t>
             </a:fld>
             <a:endParaRPr lang="ko-KR" altLang="en-US"/>
           </a:p>
@@ -1602,7 +1602,7 @@
             <a:fld id="{30A2A893-9FEB-4013-94DB-DA21BA29FAE1}" type="datetimeFigureOut">
               <a:rPr lang="ko-KR" altLang="en-US" smtClean="0"/>
               <a:pPr/>
-              <a:t>2019-01-10</a:t>
+              <a:t>2019-01-14</a:t>
             </a:fld>
             <a:endParaRPr lang="ko-KR" altLang="en-US"/>
           </a:p>
@@ -1776,7 +1776,7 @@
     </p:spTree>
     <p:extLst>
       <p:ext uri="{BB962C8B-B14F-4D97-AF65-F5344CB8AC3E}">
-        <p14:creationId xmlns="" xmlns:p14="http://schemas.microsoft.com/office/powerpoint/2010/main" val="1759903189"/>
+        <p14:creationId xmlns:p14="http://schemas.microsoft.com/office/powerpoint/2010/main" xmlns="" val="1759903189"/>
       </p:ext>
     </p:extLst>
   </p:cSld>
@@ -1784,7 +1784,7 @@
     <a:masterClrMapping/>
   </p:clrMapOvr>
   <mc:AlternateContent xmlns:mc="http://schemas.openxmlformats.org/markup-compatibility/2006">
-    <mc:Choice xmlns="" xmlns:p14="http://schemas.microsoft.com/office/powerpoint/2010/main" Requires="p14">
+    <mc:Choice xmlns:p14="http://schemas.microsoft.com/office/powerpoint/2010/main" xmlns="" Requires="p14">
       <p:transition spd="slow" p14:dur="2000"/>
     </mc:Choice>
     <mc:Fallback>
@@ -1987,7 +1987,7 @@
             <a:fld id="{30A2A893-9FEB-4013-94DB-DA21BA29FAE1}" type="datetimeFigureOut">
               <a:rPr lang="ko-KR" altLang="en-US" smtClean="0"/>
               <a:pPr/>
-              <a:t>2019-01-10</a:t>
+              <a:t>2019-01-14</a:t>
             </a:fld>
             <a:endParaRPr lang="ko-KR" altLang="en-US"/>
           </a:p>
@@ -2271,7 +2271,7 @@
     </p:spTree>
     <p:extLst>
       <p:ext uri="{BB962C8B-B14F-4D97-AF65-F5344CB8AC3E}">
-        <p14:creationId xmlns="" xmlns:p14="http://schemas.microsoft.com/office/powerpoint/2010/main" val="2233771646"/>
+        <p14:creationId xmlns:p14="http://schemas.microsoft.com/office/powerpoint/2010/main" xmlns="" val="2233771646"/>
       </p:ext>
     </p:extLst>
   </p:cSld>
@@ -2279,7 +2279,7 @@
     <a:masterClrMapping/>
   </p:clrMapOvr>
   <mc:AlternateContent xmlns:mc="http://schemas.openxmlformats.org/markup-compatibility/2006">
-    <mc:Choice xmlns="" xmlns:p14="http://schemas.microsoft.com/office/powerpoint/2010/main" Requires="p14">
+    <mc:Choice xmlns:p14="http://schemas.microsoft.com/office/powerpoint/2010/main" xmlns="" Requires="p14">
       <p:transition spd="slow" p14:dur="2000"/>
     </mc:Choice>
     <mc:Fallback>
@@ -2496,7 +2496,7 @@
             <a:fld id="{30A2A893-9FEB-4013-94DB-DA21BA29FAE1}" type="datetimeFigureOut">
               <a:rPr lang="ko-KR" altLang="en-US" smtClean="0"/>
               <a:pPr/>
-              <a:t>2019-01-10</a:t>
+              <a:t>2019-01-14</a:t>
             </a:fld>
             <a:endParaRPr lang="ko-KR" altLang="en-US"/>
           </a:p>
@@ -2564,7 +2564,7 @@
     </p:spTree>
     <p:extLst>
       <p:ext uri="{BB962C8B-B14F-4D97-AF65-F5344CB8AC3E}">
-        <p14:creationId xmlns="" xmlns:p14="http://schemas.microsoft.com/office/powerpoint/2010/main" val="2495655158"/>
+        <p14:creationId xmlns:p14="http://schemas.microsoft.com/office/powerpoint/2010/main" xmlns="" val="2495655158"/>
       </p:ext>
     </p:extLst>
   </p:cSld>
@@ -2572,7 +2572,7 @@
     <a:masterClrMapping/>
   </p:clrMapOvr>
   <mc:AlternateContent xmlns:mc="http://schemas.openxmlformats.org/markup-compatibility/2006">
-    <mc:Choice xmlns="" xmlns:p14="http://schemas.microsoft.com/office/powerpoint/2010/main" Requires="p14">
+    <mc:Choice xmlns:p14="http://schemas.microsoft.com/office/powerpoint/2010/main" xmlns="" Requires="p14">
       <p:transition spd="slow" p14:dur="2000"/>
     </mc:Choice>
     <mc:Fallback>
@@ -2840,7 +2840,7 @@
             <a:fld id="{30A2A893-9FEB-4013-94DB-DA21BA29FAE1}" type="datetimeFigureOut">
               <a:rPr lang="ko-KR" altLang="en-US" smtClean="0"/>
               <a:pPr/>
-              <a:t>2019-01-10</a:t>
+              <a:t>2019-01-14</a:t>
             </a:fld>
             <a:endParaRPr lang="ko-KR" altLang="en-US"/>
           </a:p>
@@ -2908,7 +2908,7 @@
     </p:spTree>
     <p:extLst>
       <p:ext uri="{BB962C8B-B14F-4D97-AF65-F5344CB8AC3E}">
-        <p14:creationId xmlns="" xmlns:p14="http://schemas.microsoft.com/office/powerpoint/2010/main" val="1058450169"/>
+        <p14:creationId xmlns:p14="http://schemas.microsoft.com/office/powerpoint/2010/main" xmlns="" val="1058450169"/>
       </p:ext>
     </p:extLst>
   </p:cSld>
@@ -2916,7 +2916,7 @@
     <a:masterClrMapping/>
   </p:clrMapOvr>
   <mc:AlternateContent xmlns:mc="http://schemas.openxmlformats.org/markup-compatibility/2006">
-    <mc:Choice xmlns="" xmlns:p14="http://schemas.microsoft.com/office/powerpoint/2010/main" Requires="p14">
+    <mc:Choice xmlns:p14="http://schemas.microsoft.com/office/powerpoint/2010/main" xmlns="" Requires="p14">
       <p:transition spd="slow" p14:dur="2000"/>
     </mc:Choice>
     <mc:Fallback>
@@ -3320,7 +3320,7 @@
             <a:fld id="{30A2A893-9FEB-4013-94DB-DA21BA29FAE1}" type="datetimeFigureOut">
               <a:rPr lang="ko-KR" altLang="en-US" smtClean="0"/>
               <a:pPr/>
-              <a:t>2019-01-10</a:t>
+              <a:t>2019-01-14</a:t>
             </a:fld>
             <a:endParaRPr lang="ko-KR" altLang="en-US"/>
           </a:p>
@@ -3388,7 +3388,7 @@
     </p:spTree>
     <p:extLst>
       <p:ext uri="{BB962C8B-B14F-4D97-AF65-F5344CB8AC3E}">
-        <p14:creationId xmlns="" xmlns:p14="http://schemas.microsoft.com/office/powerpoint/2010/main" val="4201664917"/>
+        <p14:creationId xmlns:p14="http://schemas.microsoft.com/office/powerpoint/2010/main" xmlns="" val="4201664917"/>
       </p:ext>
     </p:extLst>
   </p:cSld>
@@ -3396,7 +3396,7 @@
     <a:masterClrMapping/>
   </p:clrMapOvr>
   <mc:AlternateContent xmlns:mc="http://schemas.openxmlformats.org/markup-compatibility/2006">
-    <mc:Choice xmlns="" xmlns:p14="http://schemas.microsoft.com/office/powerpoint/2010/main" Requires="p14">
+    <mc:Choice xmlns:p14="http://schemas.microsoft.com/office/powerpoint/2010/main" xmlns="" Requires="p14">
       <p:transition spd="slow" p14:dur="2000"/>
     </mc:Choice>
     <mc:Fallback>
@@ -3488,7 +3488,7 @@
             <a:fld id="{30A2A893-9FEB-4013-94DB-DA21BA29FAE1}" type="datetimeFigureOut">
               <a:rPr lang="ko-KR" altLang="en-US" smtClean="0"/>
               <a:pPr/>
-              <a:t>2019-01-10</a:t>
+              <a:t>2019-01-14</a:t>
             </a:fld>
             <a:endParaRPr lang="ko-KR" altLang="en-US"/>
           </a:p>
@@ -3556,7 +3556,7 @@
     </p:spTree>
     <p:extLst>
       <p:ext uri="{BB962C8B-B14F-4D97-AF65-F5344CB8AC3E}">
-        <p14:creationId xmlns="" xmlns:p14="http://schemas.microsoft.com/office/powerpoint/2010/main" val="3830771431"/>
+        <p14:creationId xmlns:p14="http://schemas.microsoft.com/office/powerpoint/2010/main" xmlns="" val="3830771431"/>
       </p:ext>
     </p:extLst>
   </p:cSld>
@@ -3564,7 +3564,7 @@
     <a:masterClrMapping/>
   </p:clrMapOvr>
   <mc:AlternateContent xmlns:mc="http://schemas.openxmlformats.org/markup-compatibility/2006">
-    <mc:Choice xmlns="" xmlns:p14="http://schemas.microsoft.com/office/powerpoint/2010/main" Requires="p14">
+    <mc:Choice xmlns:p14="http://schemas.microsoft.com/office/powerpoint/2010/main" xmlns="" Requires="p14">
       <p:transition spd="slow" p14:dur="2000"/>
     </mc:Choice>
     <mc:Fallback>
@@ -3617,7 +3617,7 @@
             <a:fld id="{30A2A893-9FEB-4013-94DB-DA21BA29FAE1}" type="datetimeFigureOut">
               <a:rPr lang="ko-KR" altLang="en-US" smtClean="0"/>
               <a:pPr/>
-              <a:t>2019-01-10</a:t>
+              <a:t>2019-01-14</a:t>
             </a:fld>
             <a:endParaRPr lang="ko-KR" altLang="en-US"/>
           </a:p>
@@ -3685,7 +3685,7 @@
     </p:spTree>
     <p:extLst>
       <p:ext uri="{BB962C8B-B14F-4D97-AF65-F5344CB8AC3E}">
-        <p14:creationId xmlns="" xmlns:p14="http://schemas.microsoft.com/office/powerpoint/2010/main" val="932356138"/>
+        <p14:creationId xmlns:p14="http://schemas.microsoft.com/office/powerpoint/2010/main" xmlns="" val="932356138"/>
       </p:ext>
     </p:extLst>
   </p:cSld>
@@ -3693,7 +3693,7 @@
     <a:masterClrMapping/>
   </p:clrMapOvr>
   <mc:AlternateContent xmlns:mc="http://schemas.openxmlformats.org/markup-compatibility/2006">
-    <mc:Choice xmlns="" xmlns:p14="http://schemas.microsoft.com/office/powerpoint/2010/main" Requires="p14">
+    <mc:Choice xmlns:p14="http://schemas.microsoft.com/office/powerpoint/2010/main" xmlns="" Requires="p14">
       <p:transition spd="slow" p14:dur="2000"/>
     </mc:Choice>
     <mc:Fallback>
@@ -3937,7 +3937,7 @@
             <a:fld id="{30A2A893-9FEB-4013-94DB-DA21BA29FAE1}" type="datetimeFigureOut">
               <a:rPr lang="ko-KR" altLang="en-US" smtClean="0"/>
               <a:pPr/>
-              <a:t>2019-01-10</a:t>
+              <a:t>2019-01-14</a:t>
             </a:fld>
             <a:endParaRPr lang="ko-KR" altLang="en-US"/>
           </a:p>
@@ -4005,7 +4005,7 @@
     </p:spTree>
     <p:extLst>
       <p:ext uri="{BB962C8B-B14F-4D97-AF65-F5344CB8AC3E}">
-        <p14:creationId xmlns="" xmlns:p14="http://schemas.microsoft.com/office/powerpoint/2010/main" val="838459963"/>
+        <p14:creationId xmlns:p14="http://schemas.microsoft.com/office/powerpoint/2010/main" xmlns="" val="838459963"/>
       </p:ext>
     </p:extLst>
   </p:cSld>
@@ -4013,7 +4013,7 @@
     <a:masterClrMapping/>
   </p:clrMapOvr>
   <mc:AlternateContent xmlns:mc="http://schemas.openxmlformats.org/markup-compatibility/2006">
-    <mc:Choice xmlns="" xmlns:p14="http://schemas.microsoft.com/office/powerpoint/2010/main" Requires="p14">
+    <mc:Choice xmlns:p14="http://schemas.microsoft.com/office/powerpoint/2010/main" xmlns="" Requires="p14">
       <p:transition spd="slow" p14:dur="2000"/>
     </mc:Choice>
     <mc:Fallback>
@@ -4207,7 +4207,7 @@
             <a:fld id="{30A2A893-9FEB-4013-94DB-DA21BA29FAE1}" type="datetimeFigureOut">
               <a:rPr lang="ko-KR" altLang="en-US" smtClean="0"/>
               <a:pPr/>
-              <a:t>2019-01-10</a:t>
+              <a:t>2019-01-14</a:t>
             </a:fld>
             <a:endParaRPr lang="ko-KR" altLang="en-US"/>
           </a:p>
@@ -4692,7 +4692,7 @@
             <a:fld id="{30A2A893-9FEB-4013-94DB-DA21BA29FAE1}" type="datetimeFigureOut">
               <a:rPr lang="ko-KR" altLang="en-US" smtClean="0"/>
               <a:pPr/>
-              <a:t>2019-01-10</a:t>
+              <a:t>2019-01-14</a:t>
             </a:fld>
             <a:endParaRPr lang="ko-KR" altLang="en-US"/>
           </a:p>
@@ -4760,7 +4760,7 @@
     </p:spTree>
     <p:extLst>
       <p:ext uri="{BB962C8B-B14F-4D97-AF65-F5344CB8AC3E}">
-        <p14:creationId xmlns="" xmlns:p14="http://schemas.microsoft.com/office/powerpoint/2010/main" val="2545309983"/>
+        <p14:creationId xmlns:p14="http://schemas.microsoft.com/office/powerpoint/2010/main" xmlns="" val="2545309983"/>
       </p:ext>
     </p:extLst>
   </p:cSld>
@@ -4768,7 +4768,7 @@
     <a:masterClrMapping/>
   </p:clrMapOvr>
   <mc:AlternateContent xmlns:mc="http://schemas.openxmlformats.org/markup-compatibility/2006">
-    <mc:Choice xmlns="" xmlns:p14="http://schemas.microsoft.com/office/powerpoint/2010/main" Requires="p14">
+    <mc:Choice xmlns:p14="http://schemas.microsoft.com/office/powerpoint/2010/main" xmlns="" Requires="p14">
       <p:transition spd="slow" p14:dur="2000"/>
     </mc:Choice>
     <mc:Fallback>
@@ -4920,7 +4920,7 @@
             <a:fld id="{30A2A893-9FEB-4013-94DB-DA21BA29FAE1}" type="datetimeFigureOut">
               <a:rPr lang="ko-KR" altLang="en-US" smtClean="0"/>
               <a:pPr/>
-              <a:t>2019-01-10</a:t>
+              <a:t>2019-01-14</a:t>
             </a:fld>
             <a:endParaRPr lang="ko-KR" altLang="en-US"/>
           </a:p>
@@ -4988,7 +4988,7 @@
     </p:spTree>
     <p:extLst>
       <p:ext uri="{BB962C8B-B14F-4D97-AF65-F5344CB8AC3E}">
-        <p14:creationId xmlns="" xmlns:p14="http://schemas.microsoft.com/office/powerpoint/2010/main" val="2378479209"/>
+        <p14:creationId xmlns:p14="http://schemas.microsoft.com/office/powerpoint/2010/main" xmlns="" val="2378479209"/>
       </p:ext>
     </p:extLst>
   </p:cSld>
@@ -4996,7 +4996,7 @@
     <a:masterClrMapping/>
   </p:clrMapOvr>
   <mc:AlternateContent xmlns:mc="http://schemas.openxmlformats.org/markup-compatibility/2006">
-    <mc:Choice xmlns="" xmlns:p14="http://schemas.microsoft.com/office/powerpoint/2010/main" Requires="p14">
+    <mc:Choice xmlns:p14="http://schemas.microsoft.com/office/powerpoint/2010/main" xmlns="" Requires="p14">
       <p:transition spd="slow" p14:dur="2000"/>
     </mc:Choice>
     <mc:Fallback>
@@ -5140,7 +5140,7 @@
             <a:fld id="{30A2A893-9FEB-4013-94DB-DA21BA29FAE1}" type="datetimeFigureOut">
               <a:rPr lang="ko-KR" altLang="en-US" smtClean="0"/>
               <a:pPr/>
-              <a:t>2019-01-10</a:t>
+              <a:t>2019-01-14</a:t>
             </a:fld>
             <a:endParaRPr lang="ko-KR" altLang="en-US"/>
           </a:p>
@@ -5208,7 +5208,7 @@
     </p:spTree>
     <p:extLst>
       <p:ext uri="{BB962C8B-B14F-4D97-AF65-F5344CB8AC3E}">
-        <p14:creationId xmlns="" xmlns:p14="http://schemas.microsoft.com/office/powerpoint/2010/main" val="1744568795"/>
+        <p14:creationId xmlns:p14="http://schemas.microsoft.com/office/powerpoint/2010/main" xmlns="" val="1744568795"/>
       </p:ext>
     </p:extLst>
   </p:cSld>
@@ -5216,7 +5216,7 @@
     <a:masterClrMapping/>
   </p:clrMapOvr>
   <mc:AlternateContent xmlns:mc="http://schemas.openxmlformats.org/markup-compatibility/2006">
-    <mc:Choice xmlns="" xmlns:p14="http://schemas.microsoft.com/office/powerpoint/2010/main" Requires="p14">
+    <mc:Choice xmlns:p14="http://schemas.microsoft.com/office/powerpoint/2010/main" xmlns="" Requires="p14">
       <p:transition spd="slow" p14:dur="2000"/>
     </mc:Choice>
     <mc:Fallback>
@@ -5420,7 +5420,7 @@
             <a:fld id="{30A2A893-9FEB-4013-94DB-DA21BA29FAE1}" type="datetimeFigureOut">
               <a:rPr lang="ko-KR" altLang="en-US" smtClean="0"/>
               <a:pPr/>
-              <a:t>2019-01-10</a:t>
+              <a:t>2019-01-14</a:t>
             </a:fld>
             <a:endParaRPr lang="ko-KR" altLang="en-US"/>
           </a:p>
@@ -5729,7 +5729,7 @@
             <a:fld id="{30A2A893-9FEB-4013-94DB-DA21BA29FAE1}" type="datetimeFigureOut">
               <a:rPr lang="ko-KR" altLang="en-US" smtClean="0"/>
               <a:pPr/>
-              <a:t>2019-01-10</a:t>
+              <a:t>2019-01-14</a:t>
             </a:fld>
             <a:endParaRPr lang="ko-KR" altLang="en-US"/>
           </a:p>
@@ -6172,7 +6172,7 @@
             <a:fld id="{30A2A893-9FEB-4013-94DB-DA21BA29FAE1}" type="datetimeFigureOut">
               <a:rPr lang="ko-KR" altLang="en-US" smtClean="0"/>
               <a:pPr/>
-              <a:t>2019-01-10</a:t>
+              <a:t>2019-01-14</a:t>
             </a:fld>
             <a:endParaRPr lang="ko-KR" altLang="en-US"/>
           </a:p>
@@ -6311,7 +6311,7 @@
             <a:fld id="{30A2A893-9FEB-4013-94DB-DA21BA29FAE1}" type="datetimeFigureOut">
               <a:rPr lang="ko-KR" altLang="en-US" smtClean="0"/>
               <a:pPr/>
-              <a:t>2019-01-10</a:t>
+              <a:t>2019-01-14</a:t>
             </a:fld>
             <a:endParaRPr lang="ko-KR" altLang="en-US"/>
           </a:p>
@@ -6427,7 +6427,7 @@
             <a:fld id="{30A2A893-9FEB-4013-94DB-DA21BA29FAE1}" type="datetimeFigureOut">
               <a:rPr lang="ko-KR" altLang="en-US" smtClean="0"/>
               <a:pPr/>
-              <a:t>2019-01-10</a:t>
+              <a:t>2019-01-14</a:t>
             </a:fld>
             <a:endParaRPr lang="ko-KR" altLang="en-US"/>
           </a:p>
@@ -6725,7 +6725,7 @@
             <a:fld id="{30A2A893-9FEB-4013-94DB-DA21BA29FAE1}" type="datetimeFigureOut">
               <a:rPr lang="ko-KR" altLang="en-US" smtClean="0"/>
               <a:pPr/>
-              <a:t>2019-01-10</a:t>
+              <a:t>2019-01-14</a:t>
             </a:fld>
             <a:endParaRPr lang="ko-KR" altLang="en-US"/>
           </a:p>
@@ -6999,7 +6999,7 @@
             <a:fld id="{30A2A893-9FEB-4013-94DB-DA21BA29FAE1}" type="datetimeFigureOut">
               <a:rPr lang="ko-KR" altLang="en-US" smtClean="0"/>
               <a:pPr/>
-              <a:t>2019-01-10</a:t>
+              <a:t>2019-01-14</a:t>
             </a:fld>
             <a:endParaRPr lang="ko-KR" altLang="en-US"/>
           </a:p>
@@ -7510,7 +7510,7 @@
           <a:blip r:embed="rId14" cstate="print">
             <a:extLst>
               <a:ext uri="{28A0092B-C50C-407E-A947-70E740481C1C}">
-                <a14:useLocalDpi xmlns="" xmlns:a14="http://schemas.microsoft.com/office/drawing/2010/main" val="0"/>
+                <a14:useLocalDpi xmlns:a14="http://schemas.microsoft.com/office/drawing/2010/main" xmlns="" val="0"/>
               </a:ext>
             </a:extLst>
           </a:blip>
@@ -7630,7 +7630,7 @@
             <a:biLevel thresh="25000"/>
             <a:extLst>
               <a:ext uri="{28A0092B-C50C-407E-A947-70E740481C1C}">
-                <a14:useLocalDpi xmlns="" xmlns:a14="http://schemas.microsoft.com/office/drawing/2010/main" val="0"/>
+                <a14:useLocalDpi xmlns:a14="http://schemas.microsoft.com/office/drawing/2010/main" xmlns="" val="0"/>
               </a:ext>
             </a:extLst>
           </a:blip>
@@ -7651,7 +7651,7 @@
     </p:spTree>
     <p:extLst>
       <p:ext uri="{BB962C8B-B14F-4D97-AF65-F5344CB8AC3E}">
-        <p14:creationId xmlns="" xmlns:p14="http://schemas.microsoft.com/office/powerpoint/2010/main" val="1081150604"/>
+        <p14:creationId xmlns:p14="http://schemas.microsoft.com/office/powerpoint/2010/main" xmlns="" val="1081150604"/>
       </p:ext>
     </p:extLst>
   </p:cSld>
@@ -7670,7 +7670,7 @@
     <p:sldLayoutId id="2147483684" r:id="rId11"/>
   </p:sldLayoutIdLst>
   <mc:AlternateContent xmlns:mc="http://schemas.openxmlformats.org/markup-compatibility/2006">
-    <mc:Choice xmlns="" xmlns:p14="http://schemas.microsoft.com/office/powerpoint/2010/main" Requires="p14">
+    <mc:Choice xmlns:p14="http://schemas.microsoft.com/office/powerpoint/2010/main" xmlns="" Requires="p14">
       <p:transition spd="slow" p14:dur="2000"/>
     </mc:Choice>
     <mc:Fallback>
@@ -7966,7 +7966,7 @@
           <a:blip r:embed="rId2" cstate="print">
             <a:extLst>
               <a:ext uri="{28A0092B-C50C-407E-A947-70E740481C1C}">
-                <a14:useLocalDpi xmlns="" xmlns:a14="http://schemas.microsoft.com/office/drawing/2010/main" val="0"/>
+                <a14:useLocalDpi xmlns:a14="http://schemas.microsoft.com/office/drawing/2010/main" xmlns="" val="0"/>
               </a:ext>
             </a:extLst>
           </a:blip>
@@ -8158,7 +8158,7 @@
     </p:spTree>
     <p:extLst>
       <p:ext uri="{BB962C8B-B14F-4D97-AF65-F5344CB8AC3E}">
-        <p14:creationId xmlns="" xmlns:p14="http://schemas.microsoft.com/office/powerpoint/2010/main" val="230818271"/>
+        <p14:creationId xmlns:p14="http://schemas.microsoft.com/office/powerpoint/2010/main" xmlns="" val="230818271"/>
       </p:ext>
     </p:extLst>
   </p:cSld>
@@ -8598,7 +8598,7 @@
     </p:spTree>
     <p:extLst>
       <p:ext uri="{BB962C8B-B14F-4D97-AF65-F5344CB8AC3E}">
-        <p14:creationId xmlns="" xmlns:p14="http://schemas.microsoft.com/office/powerpoint/2010/main" val="1740862808"/>
+        <p14:creationId xmlns:p14="http://schemas.microsoft.com/office/powerpoint/2010/main" xmlns="" val="1740862808"/>
       </p:ext>
     </p:extLst>
   </p:cSld>
@@ -8646,7 +8646,7 @@
           <a:blip r:embed="rId2" cstate="print">
             <a:extLst>
               <a:ext uri="{28A0092B-C50C-407E-A947-70E740481C1C}">
-                <a14:useLocalDpi xmlns="" xmlns:a14="http://schemas.microsoft.com/office/drawing/2010/main" val="0"/>
+                <a14:useLocalDpi xmlns:a14="http://schemas.microsoft.com/office/drawing/2010/main" xmlns="" val="0"/>
               </a:ext>
             </a:extLst>
           </a:blip>
@@ -9935,7 +9935,7 @@
     </p:spTree>
     <p:extLst>
       <p:ext uri="{BB962C8B-B14F-4D97-AF65-F5344CB8AC3E}">
-        <p14:creationId xmlns="" xmlns:p14="http://schemas.microsoft.com/office/powerpoint/2010/main" val="2846771912"/>
+        <p14:creationId xmlns:p14="http://schemas.microsoft.com/office/powerpoint/2010/main" xmlns="" val="2846771912"/>
       </p:ext>
     </p:extLst>
   </p:cSld>
@@ -11256,7 +11256,7 @@
     </p:spTree>
     <p:extLst>
       <p:ext uri="{BB962C8B-B14F-4D97-AF65-F5344CB8AC3E}">
-        <p14:creationId xmlns="" xmlns:p14="http://schemas.microsoft.com/office/powerpoint/2010/main" val="1740862808"/>
+        <p14:creationId xmlns:p14="http://schemas.microsoft.com/office/powerpoint/2010/main" xmlns="" val="1740862808"/>
       </p:ext>
     </p:extLst>
   </p:cSld>
@@ -13122,7 +13122,7 @@
     </p:spTree>
     <p:extLst>
       <p:ext uri="{BB962C8B-B14F-4D97-AF65-F5344CB8AC3E}">
-        <p14:creationId xmlns="" xmlns:p14="http://schemas.microsoft.com/office/powerpoint/2010/main" val="1740862808"/>
+        <p14:creationId xmlns:p14="http://schemas.microsoft.com/office/powerpoint/2010/main" xmlns="" val="1740862808"/>
       </p:ext>
     </p:extLst>
   </p:cSld>
@@ -15155,7 +15155,7 @@
     </p:spTree>
     <p:extLst>
       <p:ext uri="{BB962C8B-B14F-4D97-AF65-F5344CB8AC3E}">
-        <p14:creationId xmlns="" xmlns:p14="http://schemas.microsoft.com/office/powerpoint/2010/main" val="1740862808"/>
+        <p14:creationId xmlns:p14="http://schemas.microsoft.com/office/powerpoint/2010/main" xmlns="" val="1740862808"/>
       </p:ext>
     </p:extLst>
   </p:cSld>
@@ -16770,7 +16770,7 @@
     </p:spTree>
     <p:extLst>
       <p:ext uri="{BB962C8B-B14F-4D97-AF65-F5344CB8AC3E}">
-        <p14:creationId xmlns="" xmlns:p14="http://schemas.microsoft.com/office/powerpoint/2010/main" val="1740862808"/>
+        <p14:creationId xmlns:p14="http://schemas.microsoft.com/office/powerpoint/2010/main" xmlns="" val="1740862808"/>
       </p:ext>
     </p:extLst>
   </p:cSld>
@@ -18309,7 +18309,7 @@
     </p:spTree>
     <p:extLst>
       <p:ext uri="{BB962C8B-B14F-4D97-AF65-F5344CB8AC3E}">
-        <p14:creationId xmlns="" xmlns:p14="http://schemas.microsoft.com/office/powerpoint/2010/main" val="1740862808"/>
+        <p14:creationId xmlns:p14="http://schemas.microsoft.com/office/powerpoint/2010/main" xmlns="" val="1740862808"/>
       </p:ext>
     </p:extLst>
   </p:cSld>
@@ -19168,7 +19168,7 @@
     </p:spTree>
     <p:extLst>
       <p:ext uri="{BB962C8B-B14F-4D97-AF65-F5344CB8AC3E}">
-        <p14:creationId xmlns="" xmlns:p14="http://schemas.microsoft.com/office/powerpoint/2010/main" val="1740862808"/>
+        <p14:creationId xmlns:p14="http://schemas.microsoft.com/office/powerpoint/2010/main" xmlns="" val="1740862808"/>
       </p:ext>
     </p:extLst>
   </p:cSld>
@@ -19706,7 +19706,7 @@
     </p:spTree>
     <p:extLst>
       <p:ext uri="{BB962C8B-B14F-4D97-AF65-F5344CB8AC3E}">
-        <p14:creationId xmlns="" xmlns:p14="http://schemas.microsoft.com/office/powerpoint/2010/main" val="1740862808"/>
+        <p14:creationId xmlns:p14="http://schemas.microsoft.com/office/powerpoint/2010/main" xmlns="" val="1740862808"/>
       </p:ext>
     </p:extLst>
   </p:cSld>
@@ -20248,7 +20248,7 @@
     </p:spTree>
     <p:extLst>
       <p:ext uri="{BB962C8B-B14F-4D97-AF65-F5344CB8AC3E}">
-        <p14:creationId xmlns="" xmlns:p14="http://schemas.microsoft.com/office/powerpoint/2010/main" val="1740862808"/>
+        <p14:creationId xmlns:p14="http://schemas.microsoft.com/office/powerpoint/2010/main" xmlns="" val="1740862808"/>
       </p:ext>
     </p:extLst>
   </p:cSld>
@@ -20296,7 +20296,7 @@
           <a:blip r:embed="rId2" cstate="print">
             <a:extLst>
               <a:ext uri="{28A0092B-C50C-407E-A947-70E740481C1C}">
-                <a14:useLocalDpi xmlns="" xmlns:a14="http://schemas.microsoft.com/office/drawing/2010/main" val="0"/>
+                <a14:useLocalDpi xmlns:a14="http://schemas.microsoft.com/office/drawing/2010/main" xmlns="" val="0"/>
               </a:ext>
             </a:extLst>
           </a:blip>
@@ -21575,7 +21575,7 @@
     </p:spTree>
     <p:extLst>
       <p:ext uri="{BB962C8B-B14F-4D97-AF65-F5344CB8AC3E}">
-        <p14:creationId xmlns="" xmlns:p14="http://schemas.microsoft.com/office/powerpoint/2010/main" val="2846771912"/>
+        <p14:creationId xmlns:p14="http://schemas.microsoft.com/office/powerpoint/2010/main" xmlns="" val="2846771912"/>
       </p:ext>
     </p:extLst>
   </p:cSld>
@@ -22194,7 +22194,7 @@
     </p:spTree>
     <p:extLst>
       <p:ext uri="{BB962C8B-B14F-4D97-AF65-F5344CB8AC3E}">
-        <p14:creationId xmlns="" xmlns:p14="http://schemas.microsoft.com/office/powerpoint/2010/main" val="1740862808"/>
+        <p14:creationId xmlns:p14="http://schemas.microsoft.com/office/powerpoint/2010/main" xmlns="" val="1740862808"/>
       </p:ext>
     </p:extLst>
   </p:cSld>
@@ -22242,7 +22242,7 @@
           <a:blip r:embed="rId2" cstate="print">
             <a:extLst>
               <a:ext uri="{28A0092B-C50C-407E-A947-70E740481C1C}">
-                <a14:useLocalDpi xmlns="" xmlns:a14="http://schemas.microsoft.com/office/drawing/2010/main" val="0"/>
+                <a14:useLocalDpi xmlns:a14="http://schemas.microsoft.com/office/drawing/2010/main" xmlns="" val="0"/>
               </a:ext>
             </a:extLst>
           </a:blip>
@@ -22325,7 +22325,7 @@
     </p:spTree>
     <p:extLst>
       <p:ext uri="{BB962C8B-B14F-4D97-AF65-F5344CB8AC3E}">
-        <p14:creationId xmlns="" xmlns:p14="http://schemas.microsoft.com/office/powerpoint/2010/main" val="3054257390"/>
+        <p14:creationId xmlns:p14="http://schemas.microsoft.com/office/powerpoint/2010/main" xmlns="" val="3054257390"/>
       </p:ext>
     </p:extLst>
   </p:cSld>
@@ -23147,7 +23147,7 @@
     </p:spTree>
     <p:extLst>
       <p:ext uri="{BB962C8B-B14F-4D97-AF65-F5344CB8AC3E}">
-        <p14:creationId xmlns="" xmlns:p14="http://schemas.microsoft.com/office/powerpoint/2010/main" val="1740862808"/>
+        <p14:creationId xmlns:p14="http://schemas.microsoft.com/office/powerpoint/2010/main" xmlns="" val="1740862808"/>
       </p:ext>
     </p:extLst>
   </p:cSld>
@@ -24056,7 +24056,7 @@
     </p:spTree>
     <p:extLst>
       <p:ext uri="{BB962C8B-B14F-4D97-AF65-F5344CB8AC3E}">
-        <p14:creationId xmlns="" xmlns:p14="http://schemas.microsoft.com/office/powerpoint/2010/main" val="1740862808"/>
+        <p14:creationId xmlns:p14="http://schemas.microsoft.com/office/powerpoint/2010/main" xmlns="" val="1740862808"/>
       </p:ext>
     </p:extLst>
   </p:cSld>
@@ -24987,7 +24987,7 @@
     </p:spTree>
     <p:extLst>
       <p:ext uri="{BB962C8B-B14F-4D97-AF65-F5344CB8AC3E}">
-        <p14:creationId xmlns="" xmlns:p14="http://schemas.microsoft.com/office/powerpoint/2010/main" val="1740862808"/>
+        <p14:creationId xmlns:p14="http://schemas.microsoft.com/office/powerpoint/2010/main" xmlns="" val="1740862808"/>
       </p:ext>
     </p:extLst>
   </p:cSld>
@@ -25035,7 +25035,7 @@
           <a:blip r:embed="rId2" cstate="print">
             <a:extLst>
               <a:ext uri="{28A0092B-C50C-407E-A947-70E740481C1C}">
-                <a14:useLocalDpi xmlns="" xmlns:a14="http://schemas.microsoft.com/office/drawing/2010/main" val="0"/>
+                <a14:useLocalDpi xmlns:a14="http://schemas.microsoft.com/office/drawing/2010/main" xmlns="" val="0"/>
               </a:ext>
             </a:extLst>
           </a:blip>
@@ -26330,7 +26330,7 @@
     </p:spTree>
     <p:extLst>
       <p:ext uri="{BB962C8B-B14F-4D97-AF65-F5344CB8AC3E}">
-        <p14:creationId xmlns="" xmlns:p14="http://schemas.microsoft.com/office/powerpoint/2010/main" val="2846771912"/>
+        <p14:creationId xmlns:p14="http://schemas.microsoft.com/office/powerpoint/2010/main" xmlns="" val="2846771912"/>
       </p:ext>
     </p:extLst>
   </p:cSld>
@@ -27316,7 +27316,7 @@
                             <a:srgbClr val="FF0000"/>
                           </a:solidFill>
                         </a:rPr>
-                        <a:t>TS_NLS_LANG</a:t>
+                        <a:t>TB_NLS_LANG</a:t>
                       </a:r>
                       <a:r>
                         <a:rPr lang="en-US" altLang="ko-KR" sz="1000" baseline="0" dirty="0" smtClean="0"/>
@@ -27433,7 +27433,13 @@
                         <a:rPr lang="en-US" altLang="ko-KR" sz="1000" baseline="0" dirty="0" smtClean="0">
                           <a:sym typeface="Wingdings" pitchFamily="2" charset="2"/>
                         </a:rPr>
-                        <a:t>, TS_NLS_LANG </a:t>
+                        <a:t>, </a:t>
+                      </a:r>
+                      <a:r>
+                        <a:rPr lang="en-US" altLang="ko-KR" sz="1000" baseline="0" dirty="0" smtClean="0">
+                          <a:sym typeface="Wingdings" pitchFamily="2" charset="2"/>
+                        </a:rPr>
+                        <a:t>TB_NLS_LANG </a:t>
                       </a:r>
                       <a:r>
                         <a:rPr lang="ko-KR" altLang="en-US" sz="1000" baseline="0" dirty="0" smtClean="0">
@@ -27484,7 +27490,13 @@
                         <a:rPr lang="en-US" altLang="ko-KR" sz="1000" baseline="0" dirty="0" smtClean="0">
                           <a:sym typeface="Wingdings" pitchFamily="2" charset="2"/>
                         </a:rPr>
-                        <a:t>, TS_NLS_LANG </a:t>
+                        <a:t>, </a:t>
+                      </a:r>
+                      <a:r>
+                        <a:rPr lang="en-US" altLang="ko-KR" sz="1000" baseline="0" dirty="0" smtClean="0">
+                          <a:sym typeface="Wingdings" pitchFamily="2" charset="2"/>
+                        </a:rPr>
+                        <a:t>TB_NLS_LANG </a:t>
                       </a:r>
                       <a:r>
                         <a:rPr lang="ko-KR" altLang="en-US" sz="1000" baseline="0" dirty="0" smtClean="0">
@@ -27638,7 +27650,7 @@
     </p:spTree>
     <p:extLst>
       <p:ext uri="{BB962C8B-B14F-4D97-AF65-F5344CB8AC3E}">
-        <p14:creationId xmlns="" xmlns:p14="http://schemas.microsoft.com/office/powerpoint/2010/main" val="1740862808"/>
+        <p14:creationId xmlns:p14="http://schemas.microsoft.com/office/powerpoint/2010/main" xmlns="" val="1740862808"/>
       </p:ext>
     </p:extLst>
   </p:cSld>
@@ -28477,7 +28489,7 @@
     </p:spTree>
     <p:extLst>
       <p:ext uri="{BB962C8B-B14F-4D97-AF65-F5344CB8AC3E}">
-        <p14:creationId xmlns="" xmlns:p14="http://schemas.microsoft.com/office/powerpoint/2010/main" val="1740862808"/>
+        <p14:creationId xmlns:p14="http://schemas.microsoft.com/office/powerpoint/2010/main" xmlns="" val="1740862808"/>
       </p:ext>
     </p:extLst>
   </p:cSld>
@@ -29640,7 +29652,7 @@
     </p:spTree>
     <p:extLst>
       <p:ext uri="{BB962C8B-B14F-4D97-AF65-F5344CB8AC3E}">
-        <p14:creationId xmlns="" xmlns:p14="http://schemas.microsoft.com/office/powerpoint/2010/main" val="1740862808"/>
+        <p14:creationId xmlns:p14="http://schemas.microsoft.com/office/powerpoint/2010/main" xmlns="" val="1740862808"/>
       </p:ext>
     </p:extLst>
   </p:cSld>
